--- a/Presentationsmaterial/Dokument/1.6 Inmatning och formaterad utmatning.pptx
+++ b/Presentationsmaterial/Dokument/1.6 Inmatning och formaterad utmatning.pptx
@@ -5099,7 +5099,11 @@
             </a:r>
             <a:r>
               <a:rPr lang="sv-SE" sz="1800" dirty="0" smtClean="0"/>
-              <a:t> i namnområdet </a:t>
+              <a:t> i </a:t>
+            </a:r>
+            <a:r>
+              <a:rPr lang="sv-SE" sz="1800" dirty="0" smtClean="0"/>
+              <a:t>namnrymden </a:t>
             </a:r>
             <a:r>
               <a:rPr lang="sv-SE" sz="1600" dirty="0" smtClean="0">
